--- a/KlassenVererbungInterfaceAbstrakt.pptx
+++ b/KlassenVererbungInterfaceAbstrakt.pptx
@@ -8,12 +8,13 @@
     <p:sldId id="256" r:id="rId2"/>
     <p:sldId id="257" r:id="rId3"/>
     <p:sldId id="258" r:id="rId4"/>
-    <p:sldId id="259" r:id="rId5"/>
-    <p:sldId id="260" r:id="rId6"/>
-    <p:sldId id="261" r:id="rId7"/>
-    <p:sldId id="264" r:id="rId8"/>
-    <p:sldId id="262" r:id="rId9"/>
-    <p:sldId id="263" r:id="rId10"/>
+    <p:sldId id="265" r:id="rId5"/>
+    <p:sldId id="259" r:id="rId6"/>
+    <p:sldId id="260" r:id="rId7"/>
+    <p:sldId id="261" r:id="rId8"/>
+    <p:sldId id="264" r:id="rId9"/>
+    <p:sldId id="262" r:id="rId10"/>
+    <p:sldId id="263" r:id="rId11"/>
   </p:sldIdLst>
   <p:sldSz cx="12192000" cy="6858000"/>
   <p:notesSz cx="6858000" cy="9144000"/>
@@ -269,7 +270,7 @@
           <a:p>
             <a:fld id="{DBECCC69-738A-4239-A5AB-FAF6A2613E6A}" type="datetimeFigureOut">
               <a:rPr lang="en-CH" smtClean="0"/>
-              <a:t>02/11/2021</a:t>
+              <a:t>04/11/2021</a:t>
             </a:fld>
             <a:endParaRPr lang="en-CH"/>
           </a:p>
@@ -469,7 +470,7 @@
           <a:p>
             <a:fld id="{DBECCC69-738A-4239-A5AB-FAF6A2613E6A}" type="datetimeFigureOut">
               <a:rPr lang="en-CH" smtClean="0"/>
-              <a:t>02/11/2021</a:t>
+              <a:t>04/11/2021</a:t>
             </a:fld>
             <a:endParaRPr lang="en-CH"/>
           </a:p>
@@ -679,7 +680,7 @@
           <a:p>
             <a:fld id="{DBECCC69-738A-4239-A5AB-FAF6A2613E6A}" type="datetimeFigureOut">
               <a:rPr lang="en-CH" smtClean="0"/>
-              <a:t>02/11/2021</a:t>
+              <a:t>04/11/2021</a:t>
             </a:fld>
             <a:endParaRPr lang="en-CH"/>
           </a:p>
@@ -879,7 +880,7 @@
           <a:p>
             <a:fld id="{DBECCC69-738A-4239-A5AB-FAF6A2613E6A}" type="datetimeFigureOut">
               <a:rPr lang="en-CH" smtClean="0"/>
-              <a:t>02/11/2021</a:t>
+              <a:t>04/11/2021</a:t>
             </a:fld>
             <a:endParaRPr lang="en-CH"/>
           </a:p>
@@ -1155,7 +1156,7 @@
           <a:p>
             <a:fld id="{DBECCC69-738A-4239-A5AB-FAF6A2613E6A}" type="datetimeFigureOut">
               <a:rPr lang="en-CH" smtClean="0"/>
-              <a:t>02/11/2021</a:t>
+              <a:t>04/11/2021</a:t>
             </a:fld>
             <a:endParaRPr lang="en-CH"/>
           </a:p>
@@ -1423,7 +1424,7 @@
           <a:p>
             <a:fld id="{DBECCC69-738A-4239-A5AB-FAF6A2613E6A}" type="datetimeFigureOut">
               <a:rPr lang="en-CH" smtClean="0"/>
-              <a:t>02/11/2021</a:t>
+              <a:t>04/11/2021</a:t>
             </a:fld>
             <a:endParaRPr lang="en-CH"/>
           </a:p>
@@ -1838,7 +1839,7 @@
           <a:p>
             <a:fld id="{DBECCC69-738A-4239-A5AB-FAF6A2613E6A}" type="datetimeFigureOut">
               <a:rPr lang="en-CH" smtClean="0"/>
-              <a:t>02/11/2021</a:t>
+              <a:t>04/11/2021</a:t>
             </a:fld>
             <a:endParaRPr lang="en-CH"/>
           </a:p>
@@ -1980,7 +1981,7 @@
           <a:p>
             <a:fld id="{DBECCC69-738A-4239-A5AB-FAF6A2613E6A}" type="datetimeFigureOut">
               <a:rPr lang="en-CH" smtClean="0"/>
-              <a:t>02/11/2021</a:t>
+              <a:t>04/11/2021</a:t>
             </a:fld>
             <a:endParaRPr lang="en-CH"/>
           </a:p>
@@ -2093,7 +2094,7 @@
           <a:p>
             <a:fld id="{DBECCC69-738A-4239-A5AB-FAF6A2613E6A}" type="datetimeFigureOut">
               <a:rPr lang="en-CH" smtClean="0"/>
-              <a:t>02/11/2021</a:t>
+              <a:t>04/11/2021</a:t>
             </a:fld>
             <a:endParaRPr lang="en-CH"/>
           </a:p>
@@ -2406,7 +2407,7 @@
           <a:p>
             <a:fld id="{DBECCC69-738A-4239-A5AB-FAF6A2613E6A}" type="datetimeFigureOut">
               <a:rPr lang="en-CH" smtClean="0"/>
-              <a:t>02/11/2021</a:t>
+              <a:t>04/11/2021</a:t>
             </a:fld>
             <a:endParaRPr lang="en-CH"/>
           </a:p>
@@ -2695,7 +2696,7 @@
           <a:p>
             <a:fld id="{DBECCC69-738A-4239-A5AB-FAF6A2613E6A}" type="datetimeFigureOut">
               <a:rPr lang="en-CH" smtClean="0"/>
-              <a:t>02/11/2021</a:t>
+              <a:t>04/11/2021</a:t>
             </a:fld>
             <a:endParaRPr lang="en-CH"/>
           </a:p>
@@ -2938,7 +2939,7 @@
           <a:p>
             <a:fld id="{DBECCC69-738A-4239-A5AB-FAF6A2613E6A}" type="datetimeFigureOut">
               <a:rPr lang="en-CH" smtClean="0"/>
-              <a:t>02/11/2021</a:t>
+              <a:t>04/11/2021</a:t>
             </a:fld>
             <a:endParaRPr lang="en-CH"/>
           </a:p>
@@ -3426,6 +3427,154 @@
 </p:sld>
 </file>
 
+<file path=ppt/slides/slide10.xml><?xml version="1.0" encoding="utf-8"?>
+<p:sld xmlns:a="http://schemas.openxmlformats.org/drawingml/2006/main" xmlns:r="http://schemas.openxmlformats.org/officeDocument/2006/relationships" xmlns:p="http://schemas.openxmlformats.org/presentationml/2006/main">
+  <p:cSld>
+    <p:spTree>
+      <p:nvGrpSpPr>
+        <p:cNvPr id="1" name=""/>
+        <p:cNvGrpSpPr/>
+        <p:nvPr/>
+      </p:nvGrpSpPr>
+      <p:grpSpPr>
+        <a:xfrm>
+          <a:off x="0" y="0"/>
+          <a:ext cx="0" cy="0"/>
+          <a:chOff x="0" y="0"/>
+          <a:chExt cx="0" cy="0"/>
+        </a:xfrm>
+      </p:grpSpPr>
+      <p:sp>
+        <p:nvSpPr>
+          <p:cNvPr id="2" name="Titel 1">
+            <a:extLst>
+              <a:ext uri="{FF2B5EF4-FFF2-40B4-BE49-F238E27FC236}">
+                <a16:creationId xmlns:a16="http://schemas.microsoft.com/office/drawing/2014/main" id="{CE2F2C92-A285-4FAA-B668-7604A9E66029}"/>
+              </a:ext>
+            </a:extLst>
+          </p:cNvPr>
+          <p:cNvSpPr>
+            <a:spLocks noGrp="1"/>
+          </p:cNvSpPr>
+          <p:nvPr>
+            <p:ph type="title"/>
+          </p:nvPr>
+        </p:nvSpPr>
+        <p:spPr/>
+        <p:txBody>
+          <a:bodyPr/>
+          <a:lstStyle/>
+          <a:p>
+            <a:r>
+              <a:rPr lang="de-CH" dirty="0"/>
+              <a:t>Interface</a:t>
+            </a:r>
+            <a:endParaRPr lang="en-CH" dirty="0"/>
+          </a:p>
+        </p:txBody>
+      </p:sp>
+      <p:sp>
+        <p:nvSpPr>
+          <p:cNvPr id="3" name="Inhaltsplatzhalter 2">
+            <a:extLst>
+              <a:ext uri="{FF2B5EF4-FFF2-40B4-BE49-F238E27FC236}">
+                <a16:creationId xmlns:a16="http://schemas.microsoft.com/office/drawing/2014/main" id="{E5BD897C-E1FF-4202-B0C5-CDEB5EBDD3D6}"/>
+              </a:ext>
+            </a:extLst>
+          </p:cNvPr>
+          <p:cNvSpPr>
+            <a:spLocks noGrp="1"/>
+          </p:cNvSpPr>
+          <p:nvPr>
+            <p:ph idx="1"/>
+          </p:nvPr>
+        </p:nvSpPr>
+        <p:spPr/>
+        <p:txBody>
+          <a:bodyPr/>
+          <a:lstStyle/>
+          <a:p>
+            <a:r>
+              <a:rPr lang="de-CH" dirty="0"/>
+              <a:t> </a:t>
+            </a:r>
+            <a:endParaRPr lang="en-CH" dirty="0"/>
+          </a:p>
+        </p:txBody>
+      </p:sp>
+      <p:pic>
+        <p:nvPicPr>
+          <p:cNvPr id="7" name="Grafik 6">
+            <a:extLst>
+              <a:ext uri="{FF2B5EF4-FFF2-40B4-BE49-F238E27FC236}">
+                <a16:creationId xmlns:a16="http://schemas.microsoft.com/office/drawing/2014/main" id="{A3516C58-729A-4597-98D6-74E908975701}"/>
+              </a:ext>
+            </a:extLst>
+          </p:cNvPr>
+          <p:cNvPicPr>
+            <a:picLocks noChangeAspect="1"/>
+          </p:cNvPicPr>
+          <p:nvPr/>
+        </p:nvPicPr>
+        <p:blipFill>
+          <a:blip r:embed="rId2"/>
+          <a:stretch>
+            <a:fillRect/>
+          </a:stretch>
+        </p:blipFill>
+        <p:spPr>
+          <a:xfrm>
+            <a:off x="664113" y="4068076"/>
+            <a:ext cx="9443413" cy="982552"/>
+          </a:xfrm>
+          <a:prstGeom prst="rect">
+            <a:avLst/>
+          </a:prstGeom>
+        </p:spPr>
+      </p:pic>
+      <p:pic>
+        <p:nvPicPr>
+          <p:cNvPr id="6" name="Grafik 5">
+            <a:extLst>
+              <a:ext uri="{FF2B5EF4-FFF2-40B4-BE49-F238E27FC236}">
+                <a16:creationId xmlns:a16="http://schemas.microsoft.com/office/drawing/2014/main" id="{E1421121-F296-43B3-89B9-BDC661E3F116}"/>
+              </a:ext>
+            </a:extLst>
+          </p:cNvPr>
+          <p:cNvPicPr>
+            <a:picLocks noChangeAspect="1"/>
+          </p:cNvPicPr>
+          <p:nvPr/>
+        </p:nvPicPr>
+        <p:blipFill>
+          <a:blip r:embed="rId3"/>
+          <a:stretch>
+            <a:fillRect/>
+          </a:stretch>
+        </p:blipFill>
+        <p:spPr>
+          <a:xfrm>
+            <a:off x="838200" y="1690687"/>
+            <a:ext cx="3457575" cy="1652603"/>
+          </a:xfrm>
+          <a:prstGeom prst="rect">
+            <a:avLst/>
+          </a:prstGeom>
+        </p:spPr>
+      </p:pic>
+    </p:spTree>
+    <p:extLst>
+      <p:ext uri="{BB962C8B-B14F-4D97-AF65-F5344CB8AC3E}">
+        <p14:creationId xmlns:p14="http://schemas.microsoft.com/office/powerpoint/2010/main" val="2301910011"/>
+      </p:ext>
+    </p:extLst>
+  </p:cSld>
+  <p:clrMapOvr>
+    <a:masterClrMapping/>
+  </p:clrMapOvr>
+</p:sld>
+</file>
+
 <file path=ppt/slides/slide2.xml><?xml version="1.0" encoding="utf-8"?>
 <p:sld xmlns:a="http://schemas.openxmlformats.org/drawingml/2006/main" xmlns:r="http://schemas.openxmlformats.org/officeDocument/2006/relationships" xmlns:p="http://schemas.openxmlformats.org/presentationml/2006/main">
   <p:cSld>
@@ -3690,6 +3839,17 @@
             </a:r>
           </a:p>
           <a:p>
+            <a:r>
+              <a:rPr lang="de-CH" dirty="0"/>
+              <a:t>Unterschied Membervariablen sind gross </a:t>
+            </a:r>
+            <a:r>
+              <a:rPr lang="de-CH" dirty="0" err="1"/>
+              <a:t>gschrieben</a:t>
+            </a:r>
+            <a:endParaRPr lang="de-CH" dirty="0"/>
+          </a:p>
+          <a:p>
             <a:pPr marL="0" indent="0">
               <a:buNone/>
             </a:pPr>
@@ -3699,10 +3859,10 @@
       </p:sp>
       <p:pic>
         <p:nvPicPr>
-          <p:cNvPr id="5" name="Grafik 4">
-            <a:extLst>
-              <a:ext uri="{FF2B5EF4-FFF2-40B4-BE49-F238E27FC236}">
-                <a16:creationId xmlns:a16="http://schemas.microsoft.com/office/drawing/2014/main" id="{DB81DC0F-50F6-4C69-B2FF-5EF0AC741770}"/>
+          <p:cNvPr id="8" name="Grafik 7">
+            <a:extLst>
+              <a:ext uri="{FF2B5EF4-FFF2-40B4-BE49-F238E27FC236}">
+                <a16:creationId xmlns:a16="http://schemas.microsoft.com/office/drawing/2014/main" id="{E421C10B-C770-41D8-AE0A-2BC29ADBAC54}"/>
               </a:ext>
             </a:extLst>
           </p:cNvPr>
@@ -3719,8 +3879,8 @@
         </p:blipFill>
         <p:spPr>
           <a:xfrm>
-            <a:off x="476249" y="3269312"/>
-            <a:ext cx="11514865" cy="1072237"/>
+            <a:off x="994466" y="4352891"/>
+            <a:ext cx="10359334" cy="1085883"/>
           </a:xfrm>
           <a:prstGeom prst="rect">
             <a:avLst/>
@@ -3762,7 +3922,7 @@
           <p:cNvPr id="2" name="Titel 1">
             <a:extLst>
               <a:ext uri="{FF2B5EF4-FFF2-40B4-BE49-F238E27FC236}">
-                <a16:creationId xmlns:a16="http://schemas.microsoft.com/office/drawing/2014/main" id="{944747F9-E5A4-47B4-94D3-C93A012A8557}"/>
+                <a16:creationId xmlns:a16="http://schemas.microsoft.com/office/drawing/2014/main" id="{3D1C21FE-CCC0-44E6-B510-974C32D3A799}"/>
               </a:ext>
             </a:extLst>
           </p:cNvPr>
@@ -3779,8 +3939,12 @@
           <a:lstStyle/>
           <a:p>
             <a:r>
+              <a:rPr lang="de-CH" dirty="0" err="1"/>
+              <a:t>Get</a:t>
+            </a:r>
+            <a:r>
               <a:rPr lang="de-CH" dirty="0"/>
-              <a:t>Methoden</a:t>
+              <a:t> und Setter mit Bedingung</a:t>
             </a:r>
             <a:endParaRPr lang="en-CH" dirty="0"/>
           </a:p>
@@ -3791,7 +3955,7 @@
           <p:cNvPr id="3" name="Inhaltsplatzhalter 2">
             <a:extLst>
               <a:ext uri="{FF2B5EF4-FFF2-40B4-BE49-F238E27FC236}">
-                <a16:creationId xmlns:a16="http://schemas.microsoft.com/office/drawing/2014/main" id="{AB3960E4-7743-4059-BB76-1F4D85DCD254}"/>
+                <a16:creationId xmlns:a16="http://schemas.microsoft.com/office/drawing/2014/main" id="{1906D299-DEF6-48AF-9F32-071A74286B2E}"/>
               </a:ext>
             </a:extLst>
           </p:cNvPr>
@@ -3809,13 +3973,8 @@
           <a:p>
             <a:r>
               <a:rPr lang="de-CH" dirty="0"/>
-              <a:t>Gleich wie in Java</a:t>
-            </a:r>
-          </a:p>
-          <a:p>
-            <a:endParaRPr lang="de-CH" dirty="0"/>
-          </a:p>
-          <a:p>
+              <a:t>Private Variable in welcher die Daten gespeichert wird. Zugriff über eine Accessor-Methode</a:t>
+            </a:r>
             <a:endParaRPr lang="en-CH" dirty="0"/>
           </a:p>
         </p:txBody>
@@ -3825,7 +3984,7 @@
           <p:cNvPr id="5" name="Grafik 4">
             <a:extLst>
               <a:ext uri="{FF2B5EF4-FFF2-40B4-BE49-F238E27FC236}">
-                <a16:creationId xmlns:a16="http://schemas.microsoft.com/office/drawing/2014/main" id="{3CE54933-9691-453A-B69E-469C156E9A1C}"/>
+                <a16:creationId xmlns:a16="http://schemas.microsoft.com/office/drawing/2014/main" id="{7AE08C7A-C8B5-42CC-84E2-81B037284BE0}"/>
               </a:ext>
             </a:extLst>
           </p:cNvPr>
@@ -3842,8 +4001,137 @@
         </p:blipFill>
         <p:spPr>
           <a:xfrm>
-            <a:off x="2866861" y="3305130"/>
-            <a:ext cx="5341170" cy="1476420"/>
+            <a:off x="3330149" y="2886246"/>
+            <a:ext cx="4353533" cy="2791215"/>
+          </a:xfrm>
+          <a:prstGeom prst="rect">
+            <a:avLst/>
+          </a:prstGeom>
+        </p:spPr>
+      </p:pic>
+    </p:spTree>
+    <p:extLst>
+      <p:ext uri="{BB962C8B-B14F-4D97-AF65-F5344CB8AC3E}">
+        <p14:creationId xmlns:p14="http://schemas.microsoft.com/office/powerpoint/2010/main" val="2817732564"/>
+      </p:ext>
+    </p:extLst>
+  </p:cSld>
+  <p:clrMapOvr>
+    <a:masterClrMapping/>
+  </p:clrMapOvr>
+</p:sld>
+</file>
+
+<file path=ppt/slides/slide5.xml><?xml version="1.0" encoding="utf-8"?>
+<p:sld xmlns:a="http://schemas.openxmlformats.org/drawingml/2006/main" xmlns:r="http://schemas.openxmlformats.org/officeDocument/2006/relationships" xmlns:p="http://schemas.openxmlformats.org/presentationml/2006/main">
+  <p:cSld>
+    <p:spTree>
+      <p:nvGrpSpPr>
+        <p:cNvPr id="1" name=""/>
+        <p:cNvGrpSpPr/>
+        <p:nvPr/>
+      </p:nvGrpSpPr>
+      <p:grpSpPr>
+        <a:xfrm>
+          <a:off x="0" y="0"/>
+          <a:ext cx="0" cy="0"/>
+          <a:chOff x="0" y="0"/>
+          <a:chExt cx="0" cy="0"/>
+        </a:xfrm>
+      </p:grpSpPr>
+      <p:sp>
+        <p:nvSpPr>
+          <p:cNvPr id="2" name="Titel 1">
+            <a:extLst>
+              <a:ext uri="{FF2B5EF4-FFF2-40B4-BE49-F238E27FC236}">
+                <a16:creationId xmlns:a16="http://schemas.microsoft.com/office/drawing/2014/main" id="{944747F9-E5A4-47B4-94D3-C93A012A8557}"/>
+              </a:ext>
+            </a:extLst>
+          </p:cNvPr>
+          <p:cNvSpPr>
+            <a:spLocks noGrp="1"/>
+          </p:cNvSpPr>
+          <p:nvPr>
+            <p:ph type="title"/>
+          </p:nvPr>
+        </p:nvSpPr>
+        <p:spPr/>
+        <p:txBody>
+          <a:bodyPr/>
+          <a:lstStyle/>
+          <a:p>
+            <a:r>
+              <a:rPr lang="de-CH" dirty="0"/>
+              <a:t>Methoden</a:t>
+            </a:r>
+            <a:endParaRPr lang="en-CH" dirty="0"/>
+          </a:p>
+        </p:txBody>
+      </p:sp>
+      <p:sp>
+        <p:nvSpPr>
+          <p:cNvPr id="3" name="Inhaltsplatzhalter 2">
+            <a:extLst>
+              <a:ext uri="{FF2B5EF4-FFF2-40B4-BE49-F238E27FC236}">
+                <a16:creationId xmlns:a16="http://schemas.microsoft.com/office/drawing/2014/main" id="{AB3960E4-7743-4059-BB76-1F4D85DCD254}"/>
+              </a:ext>
+            </a:extLst>
+          </p:cNvPr>
+          <p:cNvSpPr>
+            <a:spLocks noGrp="1"/>
+          </p:cNvSpPr>
+          <p:nvPr>
+            <p:ph idx="1"/>
+          </p:nvPr>
+        </p:nvSpPr>
+        <p:spPr/>
+        <p:txBody>
+          <a:bodyPr/>
+          <a:lstStyle/>
+          <a:p>
+            <a:r>
+              <a:rPr lang="de-CH" dirty="0"/>
+              <a:t>Gleich wie in Java</a:t>
+            </a:r>
+          </a:p>
+          <a:p>
+            <a:r>
+              <a:rPr lang="de-CH" dirty="0"/>
+              <a:t>Unterschied Methoden werden gross geschrieben</a:t>
+            </a:r>
+          </a:p>
+          <a:p>
+            <a:endParaRPr lang="de-CH" dirty="0"/>
+          </a:p>
+          <a:p>
+            <a:endParaRPr lang="en-CH" dirty="0"/>
+          </a:p>
+        </p:txBody>
+      </p:sp>
+      <p:pic>
+        <p:nvPicPr>
+          <p:cNvPr id="6" name="Grafik 5">
+            <a:extLst>
+              <a:ext uri="{FF2B5EF4-FFF2-40B4-BE49-F238E27FC236}">
+                <a16:creationId xmlns:a16="http://schemas.microsoft.com/office/drawing/2014/main" id="{197CB406-398F-49FB-88AC-E07C2847C5DD}"/>
+              </a:ext>
+            </a:extLst>
+          </p:cNvPr>
+          <p:cNvPicPr>
+            <a:picLocks noChangeAspect="1"/>
+          </p:cNvPicPr>
+          <p:nvPr/>
+        </p:nvPicPr>
+        <p:blipFill>
+          <a:blip r:embed="rId2"/>
+          <a:stretch>
+            <a:fillRect/>
+          </a:stretch>
+        </p:blipFill>
+        <p:spPr>
+          <a:xfrm>
+            <a:off x="3625259" y="3728956"/>
+            <a:ext cx="4941481" cy="1585993"/>
           </a:xfrm>
           <a:prstGeom prst="rect">
             <a:avLst/>
@@ -3863,7 +4151,7 @@
 </p:sld>
 </file>
 
-<file path=ppt/slides/slide5.xml><?xml version="1.0" encoding="utf-8"?>
+<file path=ppt/slides/slide6.xml><?xml version="1.0" encoding="utf-8"?>
 <p:sld xmlns:a="http://schemas.openxmlformats.org/drawingml/2006/main" xmlns:r="http://schemas.openxmlformats.org/officeDocument/2006/relationships" xmlns:p="http://schemas.openxmlformats.org/presentationml/2006/main">
   <p:cSld>
     <p:spTree>
@@ -3997,224 +4285,6 @@
 </p:sld>
 </file>
 
-<file path=ppt/slides/slide6.xml><?xml version="1.0" encoding="utf-8"?>
-<p:sld xmlns:a="http://schemas.openxmlformats.org/drawingml/2006/main" xmlns:r="http://schemas.openxmlformats.org/officeDocument/2006/relationships" xmlns:p="http://schemas.openxmlformats.org/presentationml/2006/main">
-  <p:cSld>
-    <p:spTree>
-      <p:nvGrpSpPr>
-        <p:cNvPr id="1" name=""/>
-        <p:cNvGrpSpPr/>
-        <p:nvPr/>
-      </p:nvGrpSpPr>
-      <p:grpSpPr>
-        <a:xfrm>
-          <a:off x="0" y="0"/>
-          <a:ext cx="0" cy="0"/>
-          <a:chOff x="0" y="0"/>
-          <a:chExt cx="0" cy="0"/>
-        </a:xfrm>
-      </p:grpSpPr>
-      <p:sp>
-        <p:nvSpPr>
-          <p:cNvPr id="2" name="Titel 1">
-            <a:extLst>
-              <a:ext uri="{FF2B5EF4-FFF2-40B4-BE49-F238E27FC236}">
-                <a16:creationId xmlns:a16="http://schemas.microsoft.com/office/drawing/2014/main" id="{BA1E74A9-E2F0-439B-B0A5-28AE2A59BD3F}"/>
-              </a:ext>
-            </a:extLst>
-          </p:cNvPr>
-          <p:cNvSpPr>
-            <a:spLocks noGrp="1"/>
-          </p:cNvSpPr>
-          <p:nvPr>
-            <p:ph type="title"/>
-          </p:nvPr>
-        </p:nvSpPr>
-        <p:spPr/>
-        <p:txBody>
-          <a:bodyPr/>
-          <a:lstStyle/>
-          <a:p>
-            <a:r>
-              <a:rPr lang="de-CH" dirty="0"/>
-              <a:t>Methoden Vererbung</a:t>
-            </a:r>
-            <a:endParaRPr lang="en-CH" dirty="0"/>
-          </a:p>
-        </p:txBody>
-      </p:sp>
-      <p:sp>
-        <p:nvSpPr>
-          <p:cNvPr id="3" name="Inhaltsplatzhalter 2">
-            <a:extLst>
-              <a:ext uri="{FF2B5EF4-FFF2-40B4-BE49-F238E27FC236}">
-                <a16:creationId xmlns:a16="http://schemas.microsoft.com/office/drawing/2014/main" id="{0E111AA4-2C53-492D-9FBB-62BAC490F1D6}"/>
-              </a:ext>
-            </a:extLst>
-          </p:cNvPr>
-          <p:cNvSpPr>
-            <a:spLocks noGrp="1"/>
-          </p:cNvSpPr>
-          <p:nvPr>
-            <p:ph idx="1"/>
-          </p:nvPr>
-        </p:nvSpPr>
-        <p:spPr/>
-        <p:txBody>
-          <a:bodyPr/>
-          <a:lstStyle/>
-          <a:p>
-            <a:r>
-              <a:rPr lang="de-CH" dirty="0"/>
-              <a:t>Elternklasse Methode </a:t>
-            </a:r>
-            <a:r>
-              <a:rPr lang="de-CH" dirty="0">
-                <a:sym typeface="Wingdings" panose="05000000000000000000" pitchFamily="2" charset="2"/>
-              </a:rPr>
-              <a:t> virtual </a:t>
-            </a:r>
-            <a:r>
-              <a:rPr lang="de-CH" dirty="0" err="1">
-                <a:sym typeface="Wingdings" panose="05000000000000000000" pitchFamily="2" charset="2"/>
-              </a:rPr>
-              <a:t>kennzeichen,dass</a:t>
-            </a:r>
-            <a:r>
-              <a:rPr lang="de-CH" dirty="0">
-                <a:sym typeface="Wingdings" panose="05000000000000000000" pitchFamily="2" charset="2"/>
-              </a:rPr>
-              <a:t> sie </a:t>
-            </a:r>
-            <a:r>
-              <a:rPr lang="de-CH" dirty="0" err="1">
-                <a:sym typeface="Wingdings" panose="05000000000000000000" pitchFamily="2" charset="2"/>
-              </a:rPr>
-              <a:t>overridebar</a:t>
-            </a:r>
-            <a:r>
-              <a:rPr lang="de-CH" dirty="0">
-                <a:sym typeface="Wingdings" panose="05000000000000000000" pitchFamily="2" charset="2"/>
-              </a:rPr>
-              <a:t> ist</a:t>
-            </a:r>
-          </a:p>
-          <a:p>
-            <a:endParaRPr lang="de-CH" dirty="0">
-              <a:sym typeface="Wingdings" panose="05000000000000000000" pitchFamily="2" charset="2"/>
-            </a:endParaRPr>
-          </a:p>
-          <a:p>
-            <a:endParaRPr lang="de-CH" dirty="0">
-              <a:sym typeface="Wingdings" panose="05000000000000000000" pitchFamily="2" charset="2"/>
-            </a:endParaRPr>
-          </a:p>
-          <a:p>
-            <a:endParaRPr lang="de-CH" dirty="0">
-              <a:sym typeface="Wingdings" panose="05000000000000000000" pitchFamily="2" charset="2"/>
-            </a:endParaRPr>
-          </a:p>
-          <a:p>
-            <a:r>
-              <a:rPr lang="de-CH" dirty="0">
-                <a:sym typeface="Wingdings" panose="05000000000000000000" pitchFamily="2" charset="2"/>
-              </a:rPr>
-              <a:t>Kindklasse  </a:t>
-            </a:r>
-            <a:r>
-              <a:rPr lang="de-CH" dirty="0" err="1">
-                <a:sym typeface="Wingdings" panose="05000000000000000000" pitchFamily="2" charset="2"/>
-              </a:rPr>
-              <a:t>base</a:t>
-            </a:r>
-            <a:r>
-              <a:rPr lang="de-CH" dirty="0">
-                <a:sym typeface="Wingdings" panose="05000000000000000000" pitchFamily="2" charset="2"/>
-              </a:rPr>
-              <a:t> zugriff auf die Methode der Elternklasse</a:t>
-            </a:r>
-          </a:p>
-          <a:p>
-            <a:endParaRPr lang="de-CH" dirty="0"/>
-          </a:p>
-          <a:p>
-            <a:endParaRPr lang="en-CH" dirty="0"/>
-          </a:p>
-        </p:txBody>
-      </p:sp>
-      <p:pic>
-        <p:nvPicPr>
-          <p:cNvPr id="5" name="Grafik 4">
-            <a:extLst>
-              <a:ext uri="{FF2B5EF4-FFF2-40B4-BE49-F238E27FC236}">
-                <a16:creationId xmlns:a16="http://schemas.microsoft.com/office/drawing/2014/main" id="{C033711B-72E2-453B-B73F-E043E7138610}"/>
-              </a:ext>
-            </a:extLst>
-          </p:cNvPr>
-          <p:cNvPicPr>
-            <a:picLocks noChangeAspect="1"/>
-          </p:cNvPicPr>
-          <p:nvPr/>
-        </p:nvPicPr>
-        <p:blipFill>
-          <a:blip r:embed="rId2"/>
-          <a:stretch>
-            <a:fillRect/>
-          </a:stretch>
-        </p:blipFill>
-        <p:spPr>
-          <a:xfrm>
-            <a:off x="1928956" y="2669518"/>
-            <a:ext cx="5293607" cy="1093590"/>
-          </a:xfrm>
-          <a:prstGeom prst="rect">
-            <a:avLst/>
-          </a:prstGeom>
-        </p:spPr>
-      </p:pic>
-      <p:pic>
-        <p:nvPicPr>
-          <p:cNvPr id="7" name="Grafik 6">
-            <a:extLst>
-              <a:ext uri="{FF2B5EF4-FFF2-40B4-BE49-F238E27FC236}">
-                <a16:creationId xmlns:a16="http://schemas.microsoft.com/office/drawing/2014/main" id="{29A3B1A7-3A9A-4BEF-8368-64BC9FD173D8}"/>
-              </a:ext>
-            </a:extLst>
-          </p:cNvPr>
-          <p:cNvPicPr>
-            <a:picLocks noChangeAspect="1"/>
-          </p:cNvPicPr>
-          <p:nvPr/>
-        </p:nvPicPr>
-        <p:blipFill>
-          <a:blip r:embed="rId3"/>
-          <a:stretch>
-            <a:fillRect/>
-          </a:stretch>
-        </p:blipFill>
-        <p:spPr>
-          <a:xfrm>
-            <a:off x="1028502" y="4748162"/>
-            <a:ext cx="4534097" cy="1148842"/>
-          </a:xfrm>
-          <a:prstGeom prst="rect">
-            <a:avLst/>
-          </a:prstGeom>
-        </p:spPr>
-      </p:pic>
-    </p:spTree>
-    <p:extLst>
-      <p:ext uri="{BB962C8B-B14F-4D97-AF65-F5344CB8AC3E}">
-        <p14:creationId xmlns:p14="http://schemas.microsoft.com/office/powerpoint/2010/main" val="2920579665"/>
-      </p:ext>
-    </p:extLst>
-  </p:cSld>
-  <p:clrMapOvr>
-    <a:masterClrMapping/>
-  </p:clrMapOvr>
-</p:sld>
-</file>
-
 <file path=ppt/slides/slide7.xml><?xml version="1.0" encoding="utf-8"?>
 <p:sld xmlns:a="http://schemas.openxmlformats.org/drawingml/2006/main" xmlns:r="http://schemas.openxmlformats.org/officeDocument/2006/relationships" xmlns:p="http://schemas.openxmlformats.org/presentationml/2006/main">
   <p:cSld>
@@ -4237,7 +4307,7 @@
           <p:cNvPr id="2" name="Titel 1">
             <a:extLst>
               <a:ext uri="{FF2B5EF4-FFF2-40B4-BE49-F238E27FC236}">
-                <a16:creationId xmlns:a16="http://schemas.microsoft.com/office/drawing/2014/main" id="{9994CEC4-02A6-4CDF-9009-C7150A2B10DF}"/>
+                <a16:creationId xmlns:a16="http://schemas.microsoft.com/office/drawing/2014/main" id="{BA1E74A9-E2F0-439B-B0A5-28AE2A59BD3F}"/>
               </a:ext>
             </a:extLst>
           </p:cNvPr>
@@ -4255,7 +4325,7 @@
           <a:p>
             <a:r>
               <a:rPr lang="de-CH" dirty="0"/>
-              <a:t>Konstruktor Aufruf</a:t>
+              <a:t>Methoden Vererbung</a:t>
             </a:r>
             <a:endParaRPr lang="en-CH" dirty="0"/>
           </a:p>
@@ -4266,7 +4336,7 @@
           <p:cNvPr id="3" name="Inhaltsplatzhalter 2">
             <a:extLst>
               <a:ext uri="{FF2B5EF4-FFF2-40B4-BE49-F238E27FC236}">
-                <a16:creationId xmlns:a16="http://schemas.microsoft.com/office/drawing/2014/main" id="{85FD77E4-8C17-496B-9BBC-490EC71F2C35}"/>
+                <a16:creationId xmlns:a16="http://schemas.microsoft.com/office/drawing/2014/main" id="{0E111AA4-2C53-492D-9FBB-62BAC490F1D6}"/>
               </a:ext>
             </a:extLst>
           </p:cNvPr>
@@ -4284,8 +4354,76 @@
           <a:p>
             <a:r>
               <a:rPr lang="de-CH" dirty="0"/>
-              <a:t>Den Konstruktor der Elternklasse wird so aufgerufen</a:t>
-            </a:r>
+              <a:t>Elternklasse Methode </a:t>
+            </a:r>
+            <a:r>
+              <a:rPr lang="de-CH" dirty="0">
+                <a:sym typeface="Wingdings" panose="05000000000000000000" pitchFamily="2" charset="2"/>
+              </a:rPr>
+              <a:t> virtual </a:t>
+            </a:r>
+            <a:r>
+              <a:rPr lang="de-CH" dirty="0" err="1">
+                <a:sym typeface="Wingdings" panose="05000000000000000000" pitchFamily="2" charset="2"/>
+              </a:rPr>
+              <a:t>kennzeichen,dass</a:t>
+            </a:r>
+            <a:r>
+              <a:rPr lang="de-CH" dirty="0">
+                <a:sym typeface="Wingdings" panose="05000000000000000000" pitchFamily="2" charset="2"/>
+              </a:rPr>
+              <a:t> sie </a:t>
+            </a:r>
+            <a:r>
+              <a:rPr lang="de-CH" dirty="0" err="1">
+                <a:sym typeface="Wingdings" panose="05000000000000000000" pitchFamily="2" charset="2"/>
+              </a:rPr>
+              <a:t>overridebar</a:t>
+            </a:r>
+            <a:r>
+              <a:rPr lang="de-CH" dirty="0">
+                <a:sym typeface="Wingdings" panose="05000000000000000000" pitchFamily="2" charset="2"/>
+              </a:rPr>
+              <a:t> ist</a:t>
+            </a:r>
+          </a:p>
+          <a:p>
+            <a:endParaRPr lang="de-CH" dirty="0">
+              <a:sym typeface="Wingdings" panose="05000000000000000000" pitchFamily="2" charset="2"/>
+            </a:endParaRPr>
+          </a:p>
+          <a:p>
+            <a:endParaRPr lang="de-CH" dirty="0">
+              <a:sym typeface="Wingdings" panose="05000000000000000000" pitchFamily="2" charset="2"/>
+            </a:endParaRPr>
+          </a:p>
+          <a:p>
+            <a:endParaRPr lang="de-CH" dirty="0">
+              <a:sym typeface="Wingdings" panose="05000000000000000000" pitchFamily="2" charset="2"/>
+            </a:endParaRPr>
+          </a:p>
+          <a:p>
+            <a:r>
+              <a:rPr lang="de-CH" dirty="0">
+                <a:sym typeface="Wingdings" panose="05000000000000000000" pitchFamily="2" charset="2"/>
+              </a:rPr>
+              <a:t>Kindklasse  </a:t>
+            </a:r>
+            <a:r>
+              <a:rPr lang="de-CH" dirty="0" err="1">
+                <a:sym typeface="Wingdings" panose="05000000000000000000" pitchFamily="2" charset="2"/>
+              </a:rPr>
+              <a:t>base</a:t>
+            </a:r>
+            <a:r>
+              <a:rPr lang="de-CH" dirty="0">
+                <a:sym typeface="Wingdings" panose="05000000000000000000" pitchFamily="2" charset="2"/>
+              </a:rPr>
+              <a:t> zugriff auf die Methode der Elternklasse</a:t>
+            </a:r>
+          </a:p>
+          <a:p>
+            <a:endParaRPr lang="de-CH" dirty="0"/>
           </a:p>
           <a:p>
             <a:endParaRPr lang="en-CH" dirty="0"/>
@@ -4294,10 +4432,10 @@
       </p:sp>
       <p:pic>
         <p:nvPicPr>
-          <p:cNvPr id="5" name="Grafik 4">
-            <a:extLst>
-              <a:ext uri="{FF2B5EF4-FFF2-40B4-BE49-F238E27FC236}">
-                <a16:creationId xmlns:a16="http://schemas.microsoft.com/office/drawing/2014/main" id="{E4A699E6-2644-4650-934F-8364246FB664}"/>
+          <p:cNvPr id="6" name="Grafik 5">
+            <a:extLst>
+              <a:ext uri="{FF2B5EF4-FFF2-40B4-BE49-F238E27FC236}">
+                <a16:creationId xmlns:a16="http://schemas.microsoft.com/office/drawing/2014/main" id="{BF1FD17F-EB4B-4EE5-82C4-794F5064E045}"/>
               </a:ext>
             </a:extLst>
           </p:cNvPr>
@@ -4314,8 +4452,38 @@
         </p:blipFill>
         <p:spPr>
           <a:xfrm>
-            <a:off x="2347713" y="2943199"/>
-            <a:ext cx="6520561" cy="828701"/>
+            <a:off x="2819002" y="2666928"/>
+            <a:ext cx="5696745" cy="1028844"/>
+          </a:xfrm>
+          <a:prstGeom prst="rect">
+            <a:avLst/>
+          </a:prstGeom>
+        </p:spPr>
+      </p:pic>
+      <p:pic>
+        <p:nvPicPr>
+          <p:cNvPr id="9" name="Grafik 8">
+            <a:extLst>
+              <a:ext uri="{FF2B5EF4-FFF2-40B4-BE49-F238E27FC236}">
+                <a16:creationId xmlns:a16="http://schemas.microsoft.com/office/drawing/2014/main" id="{5DAB0229-81A7-4144-A306-068A3B785B76}"/>
+              </a:ext>
+            </a:extLst>
+          </p:cNvPr>
+          <p:cNvPicPr>
+            <a:picLocks noChangeAspect="1"/>
+          </p:cNvPicPr>
+          <p:nvPr/>
+        </p:nvPicPr>
+        <p:blipFill>
+          <a:blip r:embed="rId3"/>
+          <a:stretch>
+            <a:fillRect/>
+          </a:stretch>
+        </p:blipFill>
+        <p:spPr>
+          <a:xfrm>
+            <a:off x="2928614" y="4537075"/>
+            <a:ext cx="5515783" cy="1387475"/>
           </a:xfrm>
           <a:prstGeom prst="rect">
             <a:avLst/>
@@ -4325,7 +4493,7 @@
     </p:spTree>
     <p:extLst>
       <p:ext uri="{BB962C8B-B14F-4D97-AF65-F5344CB8AC3E}">
-        <p14:creationId xmlns:p14="http://schemas.microsoft.com/office/powerpoint/2010/main" val="1371682370"/>
+        <p14:creationId xmlns:p14="http://schemas.microsoft.com/office/powerpoint/2010/main" val="2920579665"/>
       </p:ext>
     </p:extLst>
   </p:cSld>
@@ -4357,7 +4525,7 @@
           <p:cNvPr id="2" name="Titel 1">
             <a:extLst>
               <a:ext uri="{FF2B5EF4-FFF2-40B4-BE49-F238E27FC236}">
-                <a16:creationId xmlns:a16="http://schemas.microsoft.com/office/drawing/2014/main" id="{9BF54337-C846-455E-8A90-DD3F3C5A3734}"/>
+                <a16:creationId xmlns:a16="http://schemas.microsoft.com/office/drawing/2014/main" id="{9994CEC4-02A6-4CDF-9009-C7150A2B10DF}"/>
               </a:ext>
             </a:extLst>
           </p:cNvPr>
@@ -4374,8 +4542,8 @@
           <a:lstStyle/>
           <a:p>
             <a:r>
-              <a:rPr lang="de-CH" dirty="0" err="1"/>
-              <a:t>Abstrakteklassen</a:t>
+              <a:rPr lang="de-CH" dirty="0"/>
+              <a:t>Konstruktor Aufruf</a:t>
             </a:r>
             <a:endParaRPr lang="en-CH" dirty="0"/>
           </a:p>
@@ -4383,10 +4551,10 @@
       </p:sp>
       <p:sp>
         <p:nvSpPr>
-          <p:cNvPr id="7" name="Inhaltsplatzhalter 6">
-            <a:extLst>
-              <a:ext uri="{FF2B5EF4-FFF2-40B4-BE49-F238E27FC236}">
-                <a16:creationId xmlns:a16="http://schemas.microsoft.com/office/drawing/2014/main" id="{7B96741D-8A91-4104-A0B3-497162D1C18B}"/>
+          <p:cNvPr id="3" name="Inhaltsplatzhalter 2">
+            <a:extLst>
+              <a:ext uri="{FF2B5EF4-FFF2-40B4-BE49-F238E27FC236}">
+                <a16:creationId xmlns:a16="http://schemas.microsoft.com/office/drawing/2014/main" id="{85FD77E4-8C17-496B-9BBC-490EC71F2C35}"/>
               </a:ext>
             </a:extLst>
           </p:cNvPr>
@@ -4403,39 +4571,21 @@
           <a:lstStyle/>
           <a:p>
             <a:r>
-              <a:rPr lang="de-CH" dirty="0" err="1"/>
-              <a:t>Abstrakteklasse</a:t>
-            </a:r>
-            <a:endParaRPr lang="de-CH" dirty="0"/>
-          </a:p>
-          <a:p>
-            <a:endParaRPr lang="de-CH" dirty="0"/>
-          </a:p>
-          <a:p>
-            <a:endParaRPr lang="de-CH" dirty="0"/>
-          </a:p>
-          <a:p>
-            <a:endParaRPr lang="de-CH" dirty="0"/>
-          </a:p>
-          <a:p>
-            <a:r>
-              <a:rPr lang="de-CH" dirty="0" err="1"/>
-              <a:t>Abstraktemethode</a:t>
-            </a:r>
-            <a:r>
               <a:rPr lang="de-CH" dirty="0"/>
-              <a:t> </a:t>
-            </a:r>
+              <a:t>Den Konstruktor der Elternklasse wird so aufgerufen</a:t>
+            </a:r>
+          </a:p>
+          <a:p>
             <a:endParaRPr lang="en-CH" dirty="0"/>
           </a:p>
         </p:txBody>
       </p:sp>
       <p:pic>
         <p:nvPicPr>
-          <p:cNvPr id="9" name="Grafik 8">
-            <a:extLst>
-              <a:ext uri="{FF2B5EF4-FFF2-40B4-BE49-F238E27FC236}">
-                <a16:creationId xmlns:a16="http://schemas.microsoft.com/office/drawing/2014/main" id="{DF2218CA-A9EF-4451-B1F1-630562609FFC}"/>
+          <p:cNvPr id="6" name="Grafik 5">
+            <a:extLst>
+              <a:ext uri="{FF2B5EF4-FFF2-40B4-BE49-F238E27FC236}">
+                <a16:creationId xmlns:a16="http://schemas.microsoft.com/office/drawing/2014/main" id="{66480208-E74A-437E-BCF6-74A970DAA4CB}"/>
               </a:ext>
             </a:extLst>
           </p:cNvPr>
@@ -4452,38 +4602,8 @@
         </p:blipFill>
         <p:spPr>
           <a:xfrm>
-            <a:off x="838200" y="2490788"/>
-            <a:ext cx="5666659" cy="1076348"/>
-          </a:xfrm>
-          <a:prstGeom prst="rect">
-            <a:avLst/>
-          </a:prstGeom>
-        </p:spPr>
-      </p:pic>
-      <p:pic>
-        <p:nvPicPr>
-          <p:cNvPr id="11" name="Grafik 10">
-            <a:extLst>
-              <a:ext uri="{FF2B5EF4-FFF2-40B4-BE49-F238E27FC236}">
-                <a16:creationId xmlns:a16="http://schemas.microsoft.com/office/drawing/2014/main" id="{604D7141-F63A-4F00-B157-C60874DFF144}"/>
-              </a:ext>
-            </a:extLst>
-          </p:cNvPr>
-          <p:cNvPicPr>
-            <a:picLocks noChangeAspect="1"/>
-          </p:cNvPicPr>
-          <p:nvPr/>
-        </p:nvPicPr>
-        <p:blipFill>
-          <a:blip r:embed="rId3"/>
-          <a:stretch>
-            <a:fillRect/>
-          </a:stretch>
-        </p:blipFill>
-        <p:spPr>
-          <a:xfrm>
-            <a:off x="838200" y="4633878"/>
-            <a:ext cx="6839962" cy="1357347"/>
+            <a:off x="1628435" y="3052713"/>
+            <a:ext cx="9260783" cy="1325563"/>
           </a:xfrm>
           <a:prstGeom prst="rect">
             <a:avLst/>
@@ -4493,7 +4613,7 @@
     </p:spTree>
     <p:extLst>
       <p:ext uri="{BB962C8B-B14F-4D97-AF65-F5344CB8AC3E}">
-        <p14:creationId xmlns:p14="http://schemas.microsoft.com/office/powerpoint/2010/main" val="1634107412"/>
+        <p14:creationId xmlns:p14="http://schemas.microsoft.com/office/powerpoint/2010/main" val="1371682370"/>
       </p:ext>
     </p:extLst>
   </p:cSld>
@@ -4525,7 +4645,7 @@
           <p:cNvPr id="2" name="Titel 1">
             <a:extLst>
               <a:ext uri="{FF2B5EF4-FFF2-40B4-BE49-F238E27FC236}">
-                <a16:creationId xmlns:a16="http://schemas.microsoft.com/office/drawing/2014/main" id="{CE2F2C92-A285-4FAA-B668-7604A9E66029}"/>
+                <a16:creationId xmlns:a16="http://schemas.microsoft.com/office/drawing/2014/main" id="{9BF54337-C846-455E-8A90-DD3F3C5A3734}"/>
               </a:ext>
             </a:extLst>
           </p:cNvPr>
@@ -4542,8 +4662,8 @@
           <a:lstStyle/>
           <a:p>
             <a:r>
-              <a:rPr lang="de-CH" dirty="0"/>
-              <a:t>Interface</a:t>
+              <a:rPr lang="de-CH" dirty="0" err="1"/>
+              <a:t>Abstrakteklassen</a:t>
             </a:r>
             <a:endParaRPr lang="en-CH" dirty="0"/>
           </a:p>
@@ -4551,10 +4671,10 @@
       </p:sp>
       <p:sp>
         <p:nvSpPr>
-          <p:cNvPr id="3" name="Inhaltsplatzhalter 2">
-            <a:extLst>
-              <a:ext uri="{FF2B5EF4-FFF2-40B4-BE49-F238E27FC236}">
-                <a16:creationId xmlns:a16="http://schemas.microsoft.com/office/drawing/2014/main" id="{E5BD897C-E1FF-4202-B0C5-CDEB5EBDD3D6}"/>
+          <p:cNvPr id="7" name="Inhaltsplatzhalter 6">
+            <a:extLst>
+              <a:ext uri="{FF2B5EF4-FFF2-40B4-BE49-F238E27FC236}">
+                <a16:creationId xmlns:a16="http://schemas.microsoft.com/office/drawing/2014/main" id="{7B96741D-8A91-4104-A0B3-497162D1C18B}"/>
               </a:ext>
             </a:extLst>
           </p:cNvPr>
@@ -4570,6 +4690,26 @@
           <a:bodyPr/>
           <a:lstStyle/>
           <a:p>
+            <a:r>
+              <a:rPr lang="de-CH" dirty="0" err="1"/>
+              <a:t>Abstrakteklasse</a:t>
+            </a:r>
+            <a:endParaRPr lang="de-CH" dirty="0"/>
+          </a:p>
+          <a:p>
+            <a:endParaRPr lang="de-CH" dirty="0"/>
+          </a:p>
+          <a:p>
+            <a:endParaRPr lang="de-CH" dirty="0"/>
+          </a:p>
+          <a:p>
+            <a:endParaRPr lang="de-CH" dirty="0"/>
+          </a:p>
+          <a:p>
+            <a:r>
+              <a:rPr lang="de-CH" dirty="0" err="1"/>
+              <a:t>Abstraktemethode</a:t>
+            </a:r>
             <a:r>
               <a:rPr lang="de-CH" dirty="0"/>
               <a:t> </a:t>
@@ -4580,10 +4720,10 @@
       </p:sp>
       <p:pic>
         <p:nvPicPr>
-          <p:cNvPr id="5" name="Grafik 4">
-            <a:extLst>
-              <a:ext uri="{FF2B5EF4-FFF2-40B4-BE49-F238E27FC236}">
-                <a16:creationId xmlns:a16="http://schemas.microsoft.com/office/drawing/2014/main" id="{F56D4B45-7826-4B71-8029-7D35536A0F5A}"/>
+          <p:cNvPr id="9" name="Grafik 8">
+            <a:extLst>
+              <a:ext uri="{FF2B5EF4-FFF2-40B4-BE49-F238E27FC236}">
+                <a16:creationId xmlns:a16="http://schemas.microsoft.com/office/drawing/2014/main" id="{DF2218CA-A9EF-4451-B1F1-630562609FFC}"/>
               </a:ext>
             </a:extLst>
           </p:cNvPr>
@@ -4600,8 +4740,8 @@
         </p:blipFill>
         <p:spPr>
           <a:xfrm>
-            <a:off x="766629" y="1690688"/>
-            <a:ext cx="4040489" cy="1543101"/>
+            <a:off x="838200" y="2490788"/>
+            <a:ext cx="5666659" cy="1076348"/>
           </a:xfrm>
           <a:prstGeom prst="rect">
             <a:avLst/>
@@ -4610,10 +4750,10 @@
       </p:pic>
       <p:pic>
         <p:nvPicPr>
-          <p:cNvPr id="7" name="Grafik 6">
-            <a:extLst>
-              <a:ext uri="{FF2B5EF4-FFF2-40B4-BE49-F238E27FC236}">
-                <a16:creationId xmlns:a16="http://schemas.microsoft.com/office/drawing/2014/main" id="{A3516C58-729A-4597-98D6-74E908975701}"/>
+          <p:cNvPr id="4" name="Grafik 3">
+            <a:extLst>
+              <a:ext uri="{FF2B5EF4-FFF2-40B4-BE49-F238E27FC236}">
+                <a16:creationId xmlns:a16="http://schemas.microsoft.com/office/drawing/2014/main" id="{69FD4A18-E784-4866-A4CD-20201D4F53DC}"/>
               </a:ext>
             </a:extLst>
           </p:cNvPr>
@@ -4630,8 +4770,8 @@
         </p:blipFill>
         <p:spPr>
           <a:xfrm>
-            <a:off x="664113" y="4068076"/>
-            <a:ext cx="9443413" cy="982552"/>
+            <a:off x="838200" y="4724374"/>
+            <a:ext cx="9453825" cy="909483"/>
           </a:xfrm>
           <a:prstGeom prst="rect">
             <a:avLst/>
@@ -4641,7 +4781,7 @@
     </p:spTree>
     <p:extLst>
       <p:ext uri="{BB962C8B-B14F-4D97-AF65-F5344CB8AC3E}">
-        <p14:creationId xmlns:p14="http://schemas.microsoft.com/office/powerpoint/2010/main" val="2301910011"/>
+        <p14:creationId xmlns:p14="http://schemas.microsoft.com/office/powerpoint/2010/main" val="1634107412"/>
       </p:ext>
     </p:extLst>
   </p:cSld>
